--- a/labs/assets/AgenticRAG.pptx
+++ b/labs/assets/AgenticRAG.pptx
@@ -5761,14 +5761,14 @@
           <a:p>
             <a:pPr algn="l"/>
             <a:r>
-              <a:rPr lang="en-US" sz="2000" dirty="0"/>
+              <a:rPr lang="en-US" b="1" dirty="0"/>
               <a:t>Agent Framework Dev Project</a:t>
             </a:r>
           </a:p>
           <a:p>
             <a:pPr algn="l"/>
             <a:r>
-              <a:rPr lang="en-US" sz="2000" dirty="0"/>
+              <a:rPr lang="en-US" dirty="0"/>
               <a:t>Jan 2026 - Burlington MA edition</a:t>
             </a:r>
           </a:p>
@@ -5777,13 +5777,34 @@
               <a:buFont typeface="Arial" panose="020B0604020202020204" pitchFamily="34" charset="0"/>
               <a:buChar char="•"/>
             </a:pPr>
-            <a:endParaRPr lang="en-US" sz="2000" dirty="0"/>
+            <a:endParaRPr lang="en-US" dirty="0"/>
           </a:p>
           <a:p>
             <a:pPr algn="l"/>
             <a:r>
-              <a:rPr lang="en-US" sz="2000" dirty="0"/>
+              <a:rPr lang="en-US" dirty="0"/>
               <a:t>Jason Haley</a:t>
+            </a:r>
+            <a:br>
+              <a:rPr lang="en-US" dirty="0"/>
+            </a:br>
+            <a:r>
+              <a:rPr lang="en-US" sz="1800" dirty="0"/>
+              <a:t>Microsoft AI MVP</a:t>
+            </a:r>
+            <a:br>
+              <a:rPr lang="en-US" sz="1800" dirty="0"/>
+            </a:br>
+            <a:br>
+              <a:rPr lang="en-US" sz="1800"/>
+            </a:br>
+            <a:r>
+              <a:rPr lang="en-US" sz="1800"/>
+              <a:t>jason</a:t>
+            </a:r>
+            <a:r>
+              <a:rPr lang="en-US" sz="1800" dirty="0"/>
+              <a:t>@jasonhaley.com</a:t>
             </a:r>
           </a:p>
         </p:txBody>
@@ -6232,7 +6253,7 @@
         </p:spPr>
         <p:txBody>
           <a:bodyPr>
-            <a:normAutofit fontScale="90000"/>
+            <a:normAutofit/>
           </a:bodyPr>
           <a:lstStyle/>
           <a:p>
@@ -6242,20 +6263,8 @@
                   <a:srgbClr val="FFFFFF"/>
                 </a:solidFill>
               </a:rPr>
-              <a:t>When agentic RAG does and doesn’t make sense</a:t>
-            </a:r>
-            <a:br>
-              <a:rPr lang="en-US" sz="4000" dirty="0">
-                <a:solidFill>
-                  <a:srgbClr val="FFFFFF"/>
-                </a:solidFill>
-              </a:rPr>
-            </a:br>
-            <a:endParaRPr lang="en-US" sz="4000" dirty="0">
-              <a:solidFill>
-                <a:srgbClr val="FFFFFF"/>
-              </a:solidFill>
-            </a:endParaRPr>
+              <a:t>When to Use Agentic RAG</a:t>
+            </a:r>
           </a:p>
         </p:txBody>
       </p:sp>
@@ -7835,7 +7844,7 @@
               <a:buNone/>
             </a:pPr>
             <a:r>
-              <a:rPr lang="en-US" sz="1125" dirty="0">
+              <a:rPr lang="en-US" dirty="0">
                 <a:solidFill>
                   <a:srgbClr val="FFFFFF"/>
                 </a:solidFill>
@@ -7935,7 +7944,18 @@
                 <a:ea typeface="Arial" pitchFamily="34" charset="-122"/>
                 <a:cs typeface="Arial" pitchFamily="34" charset="-120"/>
               </a:rPr>
-              <a:t>🎯 Best for complex, multi-source queries</a:t>
+              <a:t>🎯 </a:t>
+            </a:r>
+            <a:r>
+              <a:rPr lang="en-US" b="1" dirty="0">
+                <a:solidFill>
+                  <a:srgbClr val="0F4C81"/>
+                </a:solidFill>
+                <a:latin typeface="Arial" pitchFamily="34" charset="0"/>
+                <a:ea typeface="Arial" pitchFamily="34" charset="-122"/>
+                <a:cs typeface="Arial" pitchFamily="34" charset="-120"/>
+              </a:rPr>
+              <a:t>Best for complex, multi-source queries</a:t>
             </a:r>
             <a:endParaRPr lang="en-US" sz="1200" dirty="0"/>
           </a:p>
@@ -7981,7 +8001,7 @@
               <a:buNone/>
             </a:pPr>
             <a:r>
-              <a:rPr lang="en-US" sz="1050" dirty="0">
+              <a:rPr lang="en-US" dirty="0">
                 <a:solidFill>
                   <a:srgbClr val="1A1A1A"/>
                 </a:solidFill>
@@ -8073,7 +8093,7 @@
               <a:buNone/>
             </a:pPr>
             <a:r>
-              <a:rPr lang="en-US" sz="1200" b="1" dirty="0">
+              <a:rPr lang="en-US" b="1" dirty="0">
                 <a:solidFill>
                   <a:srgbClr val="0F4C81"/>
                 </a:solidFill>
@@ -8127,7 +8147,7 @@
               <a:buNone/>
             </a:pPr>
             <a:r>
-              <a:rPr lang="en-US" sz="1050" dirty="0">
+              <a:rPr lang="en-US" dirty="0">
                 <a:solidFill>
                   <a:srgbClr val="1A1A1A"/>
                 </a:solidFill>
@@ -8227,7 +8247,18 @@
                 <a:ea typeface="Arial" pitchFamily="34" charset="-122"/>
                 <a:cs typeface="Arial" pitchFamily="34" charset="-120"/>
               </a:rPr>
-              <a:t>🔧 Start small and iterate</a:t>
+              <a:t>🔧 </a:t>
+            </a:r>
+            <a:r>
+              <a:rPr lang="en-US" b="1" dirty="0">
+                <a:solidFill>
+                  <a:srgbClr val="0F4C81"/>
+                </a:solidFill>
+                <a:latin typeface="Arial" pitchFamily="34" charset="0"/>
+                <a:ea typeface="Arial" pitchFamily="34" charset="-122"/>
+                <a:cs typeface="Arial" pitchFamily="34" charset="-120"/>
+              </a:rPr>
+              <a:t>Start small and iterate</a:t>
             </a:r>
             <a:endParaRPr lang="en-US" sz="1200" dirty="0"/>
           </a:p>
@@ -8273,7 +8304,7 @@
               <a:buNone/>
             </a:pPr>
             <a:r>
-              <a:rPr lang="en-US" sz="1050" dirty="0">
+              <a:rPr lang="en-US" dirty="0">
                 <a:solidFill>
                   <a:srgbClr val="1A1A1A"/>
                 </a:solidFill>
@@ -8787,7 +8818,7 @@
           <a:p>
             <a:r>
               <a:rPr lang="en-US" sz="2400" dirty="0"/>
-              <a:t>What makes RAG agentic</a:t>
+              <a:t>What makes agentic RAG “agentic”</a:t>
             </a:r>
           </a:p>
           <a:p>
@@ -8799,13 +8830,21 @@
           <a:p>
             <a:r>
               <a:rPr lang="en-US" sz="2400" dirty="0"/>
-              <a:t>When agentic RAG does and doesn’t make sense</a:t>
-            </a:r>
-          </a:p>
-          <a:p>
+              <a:t>When to use </a:t>
+            </a:r>
+            <a:r>
+              <a:rPr lang="en-US" sz="2400"/>
+              <a:t>agentic RAG</a:t>
+            </a:r>
+          </a:p>
+          <a:p>
+            <a:r>
+              <a:rPr lang="en-US" sz="2400"/>
+              <a:t>Key </a:t>
+            </a:r>
             <a:r>
               <a:rPr lang="en-US" sz="2400" dirty="0"/>
-              <a:t>Key takeaways</a:t>
+              <a:t>takeaways</a:t>
             </a:r>
           </a:p>
         </p:txBody>
@@ -14602,8 +14641,8 @@
         </p:nvSpPr>
         <p:spPr>
           <a:xfrm>
-            <a:off x="4765055" y="3102276"/>
-            <a:ext cx="3109038" cy="461665"/>
+            <a:off x="4461309" y="3095147"/>
+            <a:ext cx="3759293" cy="461665"/>
           </a:xfrm>
           <a:prstGeom prst="rect">
             <a:avLst/>
@@ -14621,7 +14660,7 @@
                 <a:latin typeface="Arial" panose="020B0604020202020204" pitchFamily="34" charset="0"/>
                 <a:cs typeface="Arial" panose="020B0604020202020204" pitchFamily="34" charset="0"/>
               </a:rPr>
-              <a:t>4. Repeat if needed</a:t>
+              <a:t>4. REPEAT IF NEEDED</a:t>
             </a:r>
           </a:p>
         </p:txBody>
